--- a/评审PPT/SE2019春-G11翻转PPT2-软件维护定义及特点.pptx
+++ b/评审PPT/SE2019春-G11翻转PPT2-软件维护定义及特点.pptx
@@ -5,7 +5,7 @@
     <p:sldMasterId id="2147483648" r:id="rId1"/>
   </p:sldMasterIdLst>
   <p:notesMasterIdLst>
-    <p:notesMasterId r:id="rId35"/>
+    <p:notesMasterId r:id="rId36"/>
   </p:notesMasterIdLst>
   <p:sldIdLst>
     <p:sldId id="256" r:id="rId2"/>
@@ -40,12 +40,13 @@
     <p:sldId id="289" r:id="rId31"/>
     <p:sldId id="305" r:id="rId32"/>
     <p:sldId id="310" r:id="rId33"/>
-    <p:sldId id="279" r:id="rId34"/>
+    <p:sldId id="311" r:id="rId34"/>
+    <p:sldId id="279" r:id="rId35"/>
   </p:sldIdLst>
   <p:sldSz cx="12192000" cy="6858000"/>
   <p:notesSz cx="6858000" cy="9144000"/>
   <p:custDataLst>
-    <p:tags r:id="rId36"/>
+    <p:tags r:id="rId37"/>
   </p:custDataLst>
   <p:defaultTextStyle>
     <a:defPPr>
@@ -466,6 +467,7 @@
     </c:legend>
     <c:plotVisOnly val="1"/>
     <c:dispBlanksAs val="gap"/>
+    <c:showDLblsOverMax val="0"/>
     <c:extLst>
       <c:ext xmlns:c16r3="http://schemas.microsoft.com/office/drawing/2017/03/chart" uri="{56B9EC1D-385E-4148-901F-78D8002777C0}">
         <c16r3:dataDisplayOptions16>
@@ -473,7 +475,6 @@
         </c16r3:dataDisplayOptions16>
       </c:ext>
     </c:extLst>
-    <c:showDLblsOverMax val="0"/>
   </c:chart>
   <c:spPr>
     <a:gradFill flip="none" rotWithShape="1">
@@ -1245,7 +1246,7 @@
           <a:p>
             <a:fld id="{074F6518-34DC-48E6-991A-08DD848C3DBC}" type="datetimeFigureOut">
               <a:rPr lang="zh-CN" altLang="en-US" smtClean="0"/>
-              <a:t>2019/5/19</a:t>
+              <a:t>2019/5/21</a:t>
             </a:fld>
             <a:endParaRPr lang="zh-CN" altLang="en-US"/>
           </a:p>
@@ -1913,7 +1914,7 @@
           <a:p>
             <a:fld id="{6B570EB6-6DFA-4364-9BEE-C51A6DF3FE12}" type="slidenum">
               <a:rPr lang="zh-CN" altLang="en-US" smtClean="0"/>
-              <a:t>33</a:t>
+              <a:t>34</a:t>
             </a:fld>
             <a:endParaRPr lang="zh-CN" altLang="en-US"/>
           </a:p>
@@ -2747,7 +2748,7 @@
           <a:p>
             <a:fld id="{5C9CC7F8-5764-42C8-916B-F85AF1FDDD61}" type="datetimeFigureOut">
               <a:rPr lang="zh-CN" altLang="en-US" smtClean="0"/>
-              <a:t>2019/5/19</a:t>
+              <a:t>2019/5/21</a:t>
             </a:fld>
             <a:endParaRPr lang="zh-CN" altLang="en-US"/>
           </a:p>
@@ -2955,7 +2956,7 @@
           <a:p>
             <a:fld id="{5C9CC7F8-5764-42C8-916B-F85AF1FDDD61}" type="datetimeFigureOut">
               <a:rPr lang="zh-CN" altLang="en-US" smtClean="0"/>
-              <a:t>2019/5/19</a:t>
+              <a:t>2019/5/21</a:t>
             </a:fld>
             <a:endParaRPr lang="zh-CN" altLang="en-US"/>
           </a:p>
@@ -3163,7 +3164,7 @@
           <a:p>
             <a:fld id="{5C9CC7F8-5764-42C8-916B-F85AF1FDDD61}" type="datetimeFigureOut">
               <a:rPr lang="zh-CN" altLang="en-US" smtClean="0"/>
-              <a:t>2019/5/19</a:t>
+              <a:t>2019/5/21</a:t>
             </a:fld>
             <a:endParaRPr lang="zh-CN" altLang="en-US"/>
           </a:p>
@@ -3371,7 +3372,7 @@
           <a:p>
             <a:fld id="{5C9CC7F8-5764-42C8-916B-F85AF1FDDD61}" type="datetimeFigureOut">
               <a:rPr lang="zh-CN" altLang="en-US" smtClean="0"/>
-              <a:t>2019/5/19</a:t>
+              <a:t>2019/5/21</a:t>
             </a:fld>
             <a:endParaRPr lang="zh-CN" altLang="en-US"/>
           </a:p>
@@ -3646,7 +3647,7 @@
           <a:p>
             <a:fld id="{5C9CC7F8-5764-42C8-916B-F85AF1FDDD61}" type="datetimeFigureOut">
               <a:rPr lang="zh-CN" altLang="en-US" smtClean="0"/>
-              <a:t>2019/5/19</a:t>
+              <a:t>2019/5/21</a:t>
             </a:fld>
             <a:endParaRPr lang="zh-CN" altLang="en-US"/>
           </a:p>
@@ -3913,7 +3914,7 @@
           <a:p>
             <a:fld id="{5C9CC7F8-5764-42C8-916B-F85AF1FDDD61}" type="datetimeFigureOut">
               <a:rPr lang="zh-CN" altLang="en-US" smtClean="0"/>
-              <a:t>2019/5/19</a:t>
+              <a:t>2019/5/21</a:t>
             </a:fld>
             <a:endParaRPr lang="zh-CN" altLang="en-US"/>
           </a:p>
@@ -4316,7 +4317,7 @@
           <a:p>
             <a:fld id="{5C9CC7F8-5764-42C8-916B-F85AF1FDDD61}" type="datetimeFigureOut">
               <a:rPr lang="zh-CN" altLang="en-US" smtClean="0"/>
-              <a:t>2019/5/19</a:t>
+              <a:t>2019/5/21</a:t>
             </a:fld>
             <a:endParaRPr lang="zh-CN" altLang="en-US"/>
           </a:p>
@@ -4465,7 +4466,7 @@
           <a:p>
             <a:fld id="{5C9CC7F8-5764-42C8-916B-F85AF1FDDD61}" type="datetimeFigureOut">
               <a:rPr lang="zh-CN" altLang="en-US" smtClean="0"/>
-              <a:t>2019/5/19</a:t>
+              <a:t>2019/5/21</a:t>
             </a:fld>
             <a:endParaRPr lang="zh-CN" altLang="en-US"/>
           </a:p>
@@ -4584,7 +4585,7 @@
           <a:p>
             <a:fld id="{5C9CC7F8-5764-42C8-916B-F85AF1FDDD61}" type="datetimeFigureOut">
               <a:rPr lang="zh-CN" altLang="en-US" smtClean="0"/>
-              <a:t>2019/5/19</a:t>
+              <a:t>2019/5/21</a:t>
             </a:fld>
             <a:endParaRPr lang="zh-CN" altLang="en-US"/>
           </a:p>
@@ -4892,7 +4893,7 @@
           <a:p>
             <a:fld id="{5C9CC7F8-5764-42C8-916B-F85AF1FDDD61}" type="datetimeFigureOut">
               <a:rPr lang="zh-CN" altLang="en-US" smtClean="0"/>
-              <a:t>2019/5/19</a:t>
+              <a:t>2019/5/21</a:t>
             </a:fld>
             <a:endParaRPr lang="zh-CN" altLang="en-US"/>
           </a:p>
@@ -5177,7 +5178,7 @@
           <a:p>
             <a:fld id="{5C9CC7F8-5764-42C8-916B-F85AF1FDDD61}" type="datetimeFigureOut">
               <a:rPr lang="zh-CN" altLang="en-US" smtClean="0"/>
-              <a:t>2019/5/19</a:t>
+              <a:t>2019/5/21</a:t>
             </a:fld>
             <a:endParaRPr lang="zh-CN" altLang="en-US"/>
           </a:p>
@@ -12002,7 +12003,7 @@
           <a:graphicData uri="http://schemas.openxmlformats.org/presentationml/2006/ole">
             <mc:AlternateContent xmlns:mc="http://schemas.openxmlformats.org/markup-compatibility/2006">
               <mc:Choice xmlns:v="urn:schemas-microsoft-com:vml" Requires="v">
-                <p:oleObj spid="_x0000_s1043" name="图表" r:id="rId4" imgW="4151736" imgH="3103133" progId="Excel.Chart.8">
+                <p:oleObj spid="_x0000_s1046" name="图表" r:id="rId4" imgW="4151736" imgH="3103133" progId="Excel.Chart.8">
                   <p:embed/>
                 </p:oleObj>
               </mc:Choice>
@@ -15647,6 +15648,249 @@
 </file>
 
 <file path=ppt/slides/slide33.xml><?xml version="1.0" encoding="utf-8"?>
+<p:sld xmlns:a="http://schemas.openxmlformats.org/drawingml/2006/main" xmlns:r="http://schemas.openxmlformats.org/officeDocument/2006/relationships" xmlns:p="http://schemas.openxmlformats.org/presentationml/2006/main">
+  <p:cSld>
+    <p:spTree>
+      <p:nvGrpSpPr>
+        <p:cNvPr id="1" name=""/>
+        <p:cNvGrpSpPr/>
+        <p:nvPr/>
+      </p:nvGrpSpPr>
+      <p:grpSpPr>
+        <a:xfrm>
+          <a:off x="0" y="0"/>
+          <a:ext cx="0" cy="0"/>
+          <a:chOff x="0" y="0"/>
+          <a:chExt cx="0" cy="0"/>
+        </a:xfrm>
+      </p:grpSpPr>
+      <p:sp>
+        <p:nvSpPr>
+          <p:cNvPr id="4" name="灯片编号占位符 1">
+            <a:extLst>
+              <a:ext uri="{FF2B5EF4-FFF2-40B4-BE49-F238E27FC236}">
+                <a16:creationId xmlns:a16="http://schemas.microsoft.com/office/drawing/2014/main" id="{3AAFBD6A-CACA-4C51-A7BE-2C945E320831}"/>
+              </a:ext>
+            </a:extLst>
+          </p:cNvPr>
+          <p:cNvSpPr>
+            <a:spLocks noGrp="1"/>
+          </p:cNvSpPr>
+          <p:nvPr>
+            <p:ph type="sldNum" sz="quarter" idx="4294967295"/>
+          </p:nvPr>
+        </p:nvSpPr>
+        <p:spPr>
+          <a:xfrm>
+            <a:off x="11447502" y="6401750"/>
+            <a:ext cx="278418" cy="274324"/>
+          </a:xfrm>
+          <a:prstGeom prst="rect">
+            <a:avLst/>
+          </a:prstGeom>
+        </p:spPr>
+        <p:txBody>
+          <a:bodyPr rtlCol="0"/>
+          <a:lstStyle/>
+          <a:p>
+            <a:pPr rtl="0"/>
+            <a:fld id="{19B51A1E-902D-48AF-9020-955120F399B6}" type="slidenum">
+              <a:rPr lang="en-US" altLang="zh-CN" smtClean="0">
+                <a:latin typeface="Microsoft YaHei UI" panose="020B0503020204020204" pitchFamily="34" charset="-122"/>
+                <a:ea typeface="Microsoft YaHei UI" panose="020B0503020204020204" pitchFamily="34" charset="-122"/>
+              </a:rPr>
+              <a:pPr rtl="0"/>
+              <a:t>33</a:t>
+            </a:fld>
+            <a:endParaRPr lang="zh-CN" altLang="en-US">
+              <a:latin typeface="Microsoft YaHei UI" panose="020B0503020204020204" pitchFamily="34" charset="-122"/>
+              <a:ea typeface="Microsoft YaHei UI" panose="020B0503020204020204" pitchFamily="34" charset="-122"/>
+            </a:endParaRPr>
+          </a:p>
+        </p:txBody>
+      </p:sp>
+      <p:sp>
+        <p:nvSpPr>
+          <p:cNvPr id="5" name="文本框 4">
+            <a:extLst>
+              <a:ext uri="{FF2B5EF4-FFF2-40B4-BE49-F238E27FC236}">
+                <a16:creationId xmlns:a16="http://schemas.microsoft.com/office/drawing/2014/main" id="{561A444E-2E44-47FE-B8BB-EDD0E68EA342}"/>
+              </a:ext>
+            </a:extLst>
+          </p:cNvPr>
+          <p:cNvSpPr txBox="1"/>
+          <p:nvPr/>
+        </p:nvSpPr>
+        <p:spPr>
+          <a:xfrm>
+            <a:off x="1125211" y="2884119"/>
+            <a:ext cx="8592207" cy="1323439"/>
+          </a:xfrm>
+          <a:prstGeom prst="rect">
+            <a:avLst/>
+          </a:prstGeom>
+          <a:noFill/>
+        </p:spPr>
+        <p:txBody>
+          <a:bodyPr wrap="square" rtlCol="0">
+            <a:spAutoFit/>
+          </a:bodyPr>
+          <a:lstStyle/>
+          <a:p>
+            <a:r>
+              <a:rPr lang="zh-CN" altLang="en-US" sz="2000" dirty="0">
+                <a:latin typeface="微软雅黑" panose="020B0503020204020204" pitchFamily="34" charset="-122"/>
+                <a:ea typeface="微软雅黑" panose="020B0503020204020204" pitchFamily="34" charset="-122"/>
+              </a:rPr>
+              <a:t>任务分配：</a:t>
+            </a:r>
+            <a:endParaRPr lang="en-US" altLang="zh-CN" sz="2000" dirty="0">
+              <a:latin typeface="微软雅黑" panose="020B0503020204020204" pitchFamily="34" charset="-122"/>
+              <a:ea typeface="微软雅黑" panose="020B0503020204020204" pitchFamily="34" charset="-122"/>
+            </a:endParaRPr>
+          </a:p>
+          <a:p>
+            <a:r>
+              <a:rPr lang="zh-CN" altLang="en-US" sz="2000" dirty="0">
+                <a:latin typeface="微软雅黑" panose="020B0503020204020204" pitchFamily="34" charset="-122"/>
+                <a:ea typeface="微软雅黑" panose="020B0503020204020204" pitchFamily="34" charset="-122"/>
+              </a:rPr>
+              <a:t>李帝</a:t>
+            </a:r>
+            <a:r>
+              <a:rPr lang="zh-CN" altLang="en-US" sz="2000" dirty="0">
+                <a:latin typeface="微软雅黑" panose="020B0503020204020204" pitchFamily="34" charset="-122"/>
+                <a:ea typeface="微软雅黑" panose="020B0503020204020204" pitchFamily="34" charset="-122"/>
+              </a:rPr>
+              <a:t>江：</a:t>
+            </a:r>
+            <a:r>
+              <a:rPr lang="en-US" altLang="zh-CN" sz="2000" dirty="0">
+                <a:latin typeface="微软雅黑" panose="020B0503020204020204" pitchFamily="34" charset="-122"/>
+                <a:ea typeface="微软雅黑" panose="020B0503020204020204" pitchFamily="34" charset="-122"/>
+              </a:rPr>
+              <a:t>PPT</a:t>
+            </a:r>
+            <a:r>
+              <a:rPr lang="zh-CN" altLang="en-US" sz="2000" dirty="0">
+                <a:latin typeface="微软雅黑" panose="020B0503020204020204" pitchFamily="34" charset="-122"/>
+                <a:ea typeface="微软雅黑" panose="020B0503020204020204" pitchFamily="34" charset="-122"/>
+              </a:rPr>
+              <a:t>制作 </a:t>
+            </a:r>
+            <a:r>
+              <a:rPr lang="en-US" altLang="zh-CN" sz="2000" dirty="0">
+                <a:latin typeface="微软雅黑" panose="020B0503020204020204" pitchFamily="34" charset="-122"/>
+                <a:ea typeface="微软雅黑" panose="020B0503020204020204" pitchFamily="34" charset="-122"/>
+              </a:rPr>
+              <a:t>  0.9</a:t>
+            </a:r>
+          </a:p>
+          <a:p>
+            <a:r>
+              <a:rPr lang="zh-CN" altLang="en-US" sz="2000" dirty="0">
+                <a:latin typeface="微软雅黑" panose="020B0503020204020204" pitchFamily="34" charset="-122"/>
+                <a:ea typeface="微软雅黑" panose="020B0503020204020204" pitchFamily="34" charset="-122"/>
+              </a:rPr>
+              <a:t>黄寅</a:t>
+            </a:r>
+            <a:r>
+              <a:rPr lang="zh-CN" altLang="en-US" sz="2000" dirty="0">
+                <a:latin typeface="微软雅黑" panose="020B0503020204020204" pitchFamily="34" charset="-122"/>
+                <a:ea typeface="微软雅黑" panose="020B0503020204020204" pitchFamily="34" charset="-122"/>
+              </a:rPr>
+              <a:t>佐：</a:t>
+            </a:r>
+            <a:r>
+              <a:rPr lang="zh-CN" altLang="en-US" sz="2000" dirty="0" smtClean="0">
+                <a:latin typeface="微软雅黑" panose="020B0503020204020204" pitchFamily="34" charset="-122"/>
+                <a:ea typeface="微软雅黑" panose="020B0503020204020204" pitchFamily="34" charset="-122"/>
+              </a:rPr>
+              <a:t>审查</a:t>
+            </a:r>
+            <a:r>
+              <a:rPr lang="en-US" altLang="zh-CN" sz="2000" dirty="0" smtClean="0">
+                <a:latin typeface="微软雅黑" panose="020B0503020204020204" pitchFamily="34" charset="-122"/>
+                <a:ea typeface="微软雅黑" panose="020B0503020204020204" pitchFamily="34" charset="-122"/>
+              </a:rPr>
+              <a:t>PPT</a:t>
+            </a:r>
+            <a:r>
+              <a:rPr lang="zh-CN" altLang="en-US" sz="2000" dirty="0" smtClean="0">
+                <a:latin typeface="微软雅黑" panose="020B0503020204020204" pitchFamily="34" charset="-122"/>
+                <a:ea typeface="微软雅黑" panose="020B0503020204020204" pitchFamily="34" charset="-122"/>
+              </a:rPr>
+              <a:t>、上传</a:t>
+            </a:r>
+            <a:r>
+              <a:rPr lang="en-US" altLang="zh-CN" sz="2000" dirty="0" smtClean="0">
+                <a:latin typeface="微软雅黑" panose="020B0503020204020204" pitchFamily="34" charset="-122"/>
+                <a:ea typeface="微软雅黑" panose="020B0503020204020204" pitchFamily="34" charset="-122"/>
+              </a:rPr>
+              <a:t>GIT</a:t>
+            </a:r>
+            <a:r>
+              <a:rPr lang="zh-CN" altLang="en-US" sz="2000" dirty="0" smtClean="0">
+                <a:latin typeface="微软雅黑" panose="020B0503020204020204" pitchFamily="34" charset="-122"/>
+                <a:ea typeface="微软雅黑" panose="020B0503020204020204" pitchFamily="34" charset="-122"/>
+              </a:rPr>
+              <a:t> </a:t>
+            </a:r>
+            <a:r>
+              <a:rPr lang="en-US" altLang="zh-CN" sz="2000" smtClean="0">
+                <a:latin typeface="微软雅黑" panose="020B0503020204020204" pitchFamily="34" charset="-122"/>
+                <a:ea typeface="微软雅黑" panose="020B0503020204020204" pitchFamily="34" charset="-122"/>
+              </a:rPr>
+              <a:t>  0.22</a:t>
+            </a:r>
+            <a:endParaRPr lang="en-US" altLang="zh-CN" sz="2000" dirty="0">
+              <a:latin typeface="微软雅黑" panose="020B0503020204020204" pitchFamily="34" charset="-122"/>
+              <a:ea typeface="微软雅黑" panose="020B0503020204020204" pitchFamily="34" charset="-122"/>
+            </a:endParaRPr>
+          </a:p>
+          <a:p>
+            <a:r>
+              <a:rPr lang="zh-CN" altLang="en-US" sz="2000" dirty="0">
+                <a:latin typeface="微软雅黑" panose="020B0503020204020204" pitchFamily="34" charset="-122"/>
+                <a:ea typeface="微软雅黑" panose="020B0503020204020204" pitchFamily="34" charset="-122"/>
+              </a:rPr>
+              <a:t>邓国灏：</a:t>
+            </a:r>
+            <a:r>
+              <a:rPr lang="zh-CN" altLang="en-US" sz="2000" dirty="0">
+                <a:latin typeface="微软雅黑" panose="020B0503020204020204" pitchFamily="34" charset="-122"/>
+                <a:ea typeface="微软雅黑" panose="020B0503020204020204" pitchFamily="34" charset="-122"/>
+              </a:rPr>
+              <a:t>审查</a:t>
+            </a:r>
+            <a:r>
+              <a:rPr lang="en-US" altLang="zh-CN" sz="2000" dirty="0">
+                <a:latin typeface="微软雅黑" panose="020B0503020204020204" pitchFamily="34" charset="-122"/>
+                <a:ea typeface="微软雅黑" panose="020B0503020204020204" pitchFamily="34" charset="-122"/>
+              </a:rPr>
+              <a:t>PPT   0.2</a:t>
+            </a:r>
+            <a:endParaRPr lang="zh-CN" altLang="en-US" sz="2000" dirty="0">
+              <a:latin typeface="微软雅黑" panose="020B0503020204020204" pitchFamily="34" charset="-122"/>
+              <a:ea typeface="微软雅黑" panose="020B0503020204020204" pitchFamily="34" charset="-122"/>
+            </a:endParaRPr>
+          </a:p>
+        </p:txBody>
+      </p:sp>
+    </p:spTree>
+    <p:extLst>
+      <p:ext uri="{BB962C8B-B14F-4D97-AF65-F5344CB8AC3E}">
+        <p14:creationId xmlns:p14="http://schemas.microsoft.com/office/powerpoint/2010/main" val="4022844092"/>
+      </p:ext>
+    </p:extLst>
+  </p:cSld>
+  <p:clrMapOvr>
+    <a:masterClrMapping/>
+  </p:clrMapOvr>
+</p:sld>
+</file>
+
+<file path=ppt/slides/slide34.xml><?xml version="1.0" encoding="utf-8"?>
 <p:sld xmlns:a="http://schemas.openxmlformats.org/drawingml/2006/main" xmlns:r="http://schemas.openxmlformats.org/officeDocument/2006/relationships" xmlns:p="http://schemas.openxmlformats.org/presentationml/2006/main">
   <p:cSld>
     <p:spTree>
